--- a/Игра Танчики.pptx
+++ b/Игра Танчики.pptx
@@ -6,10 +6,11 @@
   </p:sldMasterIdLst>
   <p:sldIdLst>
     <p:sldId id="256" r:id="rId2"/>
-    <p:sldId id="257" r:id="rId3"/>
-    <p:sldId id="258" r:id="rId4"/>
-    <p:sldId id="259" r:id="rId5"/>
-    <p:sldId id="260" r:id="rId6"/>
+    <p:sldId id="261" r:id="rId3"/>
+    <p:sldId id="257" r:id="rId4"/>
+    <p:sldId id="258" r:id="rId5"/>
+    <p:sldId id="259" r:id="rId6"/>
+    <p:sldId id="262" r:id="rId7"/>
   </p:sldIdLst>
   <p:sldSz cx="12192000" cy="6858000"/>
   <p:notesSz cx="6858000" cy="9144000"/>
@@ -108,6 +109,11 @@
       </a:defRPr>
     </a:lvl9pPr>
   </p:defaultTextStyle>
+  <p:extLst>
+    <p:ext uri="{EFAFB233-063F-42B5-8137-9DF3F51BA10A}">
+      <p15:sldGuideLst xmlns:p15="http://schemas.microsoft.com/office/powerpoint/2012/main"/>
+    </p:ext>
+  </p:extLst>
 </p:presentation>
 </file>
 
@@ -324,7 +330,7 @@
           <a:p>
             <a:fld id="{FEF559BD-6098-4895-A3C5-86456173BF66}" type="datetimeFigureOut">
               <a:rPr lang="ru-RU" smtClean="0"/>
-              <a:t>13.01.2023</a:t>
+              <a:t>16.01.2023</a:t>
             </a:fld>
             <a:endParaRPr lang="ru-RU"/>
           </a:p>
@@ -615,7 +621,7 @@
           <a:p>
             <a:fld id="{FEF559BD-6098-4895-A3C5-86456173BF66}" type="datetimeFigureOut">
               <a:rPr lang="ru-RU" smtClean="0"/>
-              <a:t>13.01.2023</a:t>
+              <a:t>16.01.2023</a:t>
             </a:fld>
             <a:endParaRPr lang="ru-RU"/>
           </a:p>
@@ -874,7 +880,7 @@
           <a:p>
             <a:fld id="{FEF559BD-6098-4895-A3C5-86456173BF66}" type="datetimeFigureOut">
               <a:rPr lang="ru-RU" smtClean="0"/>
-              <a:t>13.01.2023</a:t>
+              <a:t>16.01.2023</a:t>
             </a:fld>
             <a:endParaRPr lang="ru-RU"/>
           </a:p>
@@ -1343,7 +1349,7 @@
           <a:p>
             <a:fld id="{FEF559BD-6098-4895-A3C5-86456173BF66}" type="datetimeFigureOut">
               <a:rPr lang="ru-RU" smtClean="0"/>
-              <a:t>13.01.2023</a:t>
+              <a:t>16.01.2023</a:t>
             </a:fld>
             <a:endParaRPr lang="ru-RU"/>
           </a:p>
@@ -1523,7 +1529,7 @@
           <a:p>
             <a:fld id="{FEF559BD-6098-4895-A3C5-86456173BF66}" type="datetimeFigureOut">
               <a:rPr lang="ru-RU" smtClean="0"/>
-              <a:t>13.01.2023</a:t>
+              <a:t>16.01.2023</a:t>
             </a:fld>
             <a:endParaRPr lang="ru-RU"/>
           </a:p>
@@ -2099,7 +2105,7 @@
           <a:p>
             <a:fld id="{FEF559BD-6098-4895-A3C5-86456173BF66}" type="datetimeFigureOut">
               <a:rPr lang="ru-RU" smtClean="0"/>
-              <a:t>13.01.2023</a:t>
+              <a:t>16.01.2023</a:t>
             </a:fld>
             <a:endParaRPr lang="ru-RU"/>
           </a:p>
@@ -2431,7 +2437,7 @@
           <a:p>
             <a:fld id="{FEF559BD-6098-4895-A3C5-86456173BF66}" type="datetimeFigureOut">
               <a:rPr lang="ru-RU" smtClean="0"/>
-              <a:t>13.01.2023</a:t>
+              <a:t>16.01.2023</a:t>
             </a:fld>
             <a:endParaRPr lang="ru-RU"/>
           </a:p>
@@ -2606,7 +2612,7 @@
           <a:p>
             <a:fld id="{FEF559BD-6098-4895-A3C5-86456173BF66}" type="datetimeFigureOut">
               <a:rPr lang="ru-RU" smtClean="0"/>
-              <a:t>13.01.2023</a:t>
+              <a:t>16.01.2023</a:t>
             </a:fld>
             <a:endParaRPr lang="ru-RU"/>
           </a:p>
@@ -2786,7 +2792,7 @@
           <a:p>
             <a:fld id="{FEF559BD-6098-4895-A3C5-86456173BF66}" type="datetimeFigureOut">
               <a:rPr lang="ru-RU" smtClean="0"/>
-              <a:t>13.01.2023</a:t>
+              <a:t>16.01.2023</a:t>
             </a:fld>
             <a:endParaRPr lang="ru-RU"/>
           </a:p>
@@ -2956,7 +2962,7 @@
           <a:p>
             <a:fld id="{FEF559BD-6098-4895-A3C5-86456173BF66}" type="datetimeFigureOut">
               <a:rPr lang="ru-RU" smtClean="0"/>
-              <a:t>13.01.2023</a:t>
+              <a:t>16.01.2023</a:t>
             </a:fld>
             <a:endParaRPr lang="ru-RU"/>
           </a:p>
@@ -3213,7 +3219,7 @@
           <a:p>
             <a:fld id="{FEF559BD-6098-4895-A3C5-86456173BF66}" type="datetimeFigureOut">
               <a:rPr lang="ru-RU" smtClean="0"/>
-              <a:t>13.01.2023</a:t>
+              <a:t>16.01.2023</a:t>
             </a:fld>
             <a:endParaRPr lang="ru-RU"/>
           </a:p>
@@ -3505,7 +3511,7 @@
           <a:p>
             <a:fld id="{FEF559BD-6098-4895-A3C5-86456173BF66}" type="datetimeFigureOut">
               <a:rPr lang="ru-RU" smtClean="0"/>
-              <a:t>13.01.2023</a:t>
+              <a:t>16.01.2023</a:t>
             </a:fld>
             <a:endParaRPr lang="ru-RU"/>
           </a:p>
@@ -3935,7 +3941,7 @@
           <a:p>
             <a:fld id="{FEF559BD-6098-4895-A3C5-86456173BF66}" type="datetimeFigureOut">
               <a:rPr lang="ru-RU" smtClean="0"/>
-              <a:t>13.01.2023</a:t>
+              <a:t>16.01.2023</a:t>
             </a:fld>
             <a:endParaRPr lang="ru-RU"/>
           </a:p>
@@ -4053,7 +4059,7 @@
           <a:p>
             <a:fld id="{FEF559BD-6098-4895-A3C5-86456173BF66}" type="datetimeFigureOut">
               <a:rPr lang="ru-RU" smtClean="0"/>
-              <a:t>13.01.2023</a:t>
+              <a:t>16.01.2023</a:t>
             </a:fld>
             <a:endParaRPr lang="ru-RU"/>
           </a:p>
@@ -4148,7 +4154,7 @@
           <a:p>
             <a:fld id="{FEF559BD-6098-4895-A3C5-86456173BF66}" type="datetimeFigureOut">
               <a:rPr lang="ru-RU" smtClean="0"/>
-              <a:t>13.01.2023</a:t>
+              <a:t>16.01.2023</a:t>
             </a:fld>
             <a:endParaRPr lang="ru-RU"/>
           </a:p>
@@ -4431,7 +4437,7 @@
           <a:p>
             <a:fld id="{FEF559BD-6098-4895-A3C5-86456173BF66}" type="datetimeFigureOut">
               <a:rPr lang="ru-RU" smtClean="0"/>
-              <a:t>13.01.2023</a:t>
+              <a:t>16.01.2023</a:t>
             </a:fld>
             <a:endParaRPr lang="ru-RU"/>
           </a:p>
@@ -4722,7 +4728,7 @@
           <a:p>
             <a:fld id="{FEF559BD-6098-4895-A3C5-86456173BF66}" type="datetimeFigureOut">
               <a:rPr lang="ru-RU" smtClean="0"/>
-              <a:t>13.01.2023</a:t>
+              <a:t>16.01.2023</a:t>
             </a:fld>
             <a:endParaRPr lang="ru-RU"/>
           </a:p>
@@ -4953,7 +4959,7 @@
           <a:p>
             <a:fld id="{FEF559BD-6098-4895-A3C5-86456173BF66}" type="datetimeFigureOut">
               <a:rPr lang="ru-RU" smtClean="0"/>
-              <a:t>13.01.2023</a:t>
+              <a:t>16.01.2023</a:t>
             </a:fld>
             <a:endParaRPr lang="ru-RU"/>
           </a:p>
@@ -5747,17 +5753,6 @@
           <a:p>
             <a:r>
               <a:rPr lang="ru-RU" sz="6000" dirty="0"/>
-              <a:t>Название проекта</a:t>
-            </a:r>
-            <a:r>
-              <a:rPr lang="en-US" sz="6000" dirty="0"/>
-              <a:t>:</a:t>
-            </a:r>
-            <a:br>
-              <a:rPr lang="en-US" sz="6000" dirty="0"/>
-            </a:br>
-            <a:r>
-              <a:rPr lang="ru-RU" sz="6000" dirty="0"/>
               <a:t>Игра </a:t>
             </a:r>
             <a:r>
@@ -5808,6 +5803,133 @@
       </p:grpSpPr>
       <p:sp>
         <p:nvSpPr>
+          <p:cNvPr id="2" name="Заголовок 1">
+            <a:extLst>
+              <a:ext uri="{FF2B5EF4-FFF2-40B4-BE49-F238E27FC236}">
+                <a16:creationId xmlns:a16="http://schemas.microsoft.com/office/drawing/2014/main" id="{4E6A2F76-A032-53D2-5957-854782C430C9}"/>
+              </a:ext>
+            </a:extLst>
+          </p:cNvPr>
+          <p:cNvSpPr>
+            <a:spLocks noGrp="1"/>
+          </p:cNvSpPr>
+          <p:nvPr>
+            <p:ph type="title"/>
+          </p:nvPr>
+        </p:nvSpPr>
+        <p:spPr>
+          <a:xfrm>
+            <a:off x="1141413" y="609600"/>
+            <a:ext cx="9905998" cy="1286312"/>
+          </a:xfrm>
+        </p:spPr>
+        <p:txBody>
+          <a:bodyPr/>
+          <a:lstStyle/>
+          <a:p>
+            <a:r>
+              <a:rPr lang="ru-RU" dirty="0"/>
+              <a:t>Задачи проекта</a:t>
+            </a:r>
+            <a:r>
+              <a:rPr lang="en-US" dirty="0"/>
+              <a:t>:</a:t>
+            </a:r>
+            <a:endParaRPr lang="ru-RU" dirty="0"/>
+          </a:p>
+        </p:txBody>
+      </p:sp>
+      <p:sp>
+        <p:nvSpPr>
+          <p:cNvPr id="3" name="Объект 2">
+            <a:extLst>
+              <a:ext uri="{FF2B5EF4-FFF2-40B4-BE49-F238E27FC236}">
+                <a16:creationId xmlns:a16="http://schemas.microsoft.com/office/drawing/2014/main" id="{C8F38BB8-55E8-1816-3F67-357FC63B86FF}"/>
+              </a:ext>
+            </a:extLst>
+          </p:cNvPr>
+          <p:cNvSpPr>
+            <a:spLocks noGrp="1"/>
+          </p:cNvSpPr>
+          <p:nvPr>
+            <p:ph idx="1"/>
+          </p:nvPr>
+        </p:nvSpPr>
+        <p:spPr>
+          <a:xfrm>
+            <a:off x="1141413" y="2038526"/>
+            <a:ext cx="9905998" cy="2533474"/>
+          </a:xfrm>
+        </p:spPr>
+        <p:txBody>
+          <a:bodyPr/>
+          <a:lstStyle/>
+          <a:p>
+            <a:r>
+              <a:rPr lang="ru-RU" dirty="0"/>
+              <a:t>Создать готовую, работающую игру на </a:t>
+            </a:r>
+            <a:r>
+              <a:rPr lang="en-US" dirty="0"/>
+              <a:t>pygame</a:t>
+            </a:r>
+          </a:p>
+          <a:p>
+            <a:r>
+              <a:rPr lang="ru-RU" dirty="0"/>
+              <a:t>Отточить навыки работы в команде</a:t>
+            </a:r>
+          </a:p>
+          <a:p>
+            <a:r>
+              <a:rPr lang="ru-RU" dirty="0"/>
+              <a:t> Научиться работать с </a:t>
+            </a:r>
+            <a:r>
+              <a:rPr lang="en-US" dirty="0"/>
+              <a:t>Git</a:t>
+            </a:r>
+          </a:p>
+          <a:p>
+            <a:r>
+              <a:rPr lang="ru-RU" dirty="0"/>
+              <a:t>Порадовать фанатов легендарной игры</a:t>
+            </a:r>
+          </a:p>
+        </p:txBody>
+      </p:sp>
+    </p:spTree>
+    <p:extLst>
+      <p:ext uri="{BB962C8B-B14F-4D97-AF65-F5344CB8AC3E}">
+        <p14:creationId xmlns:p14="http://schemas.microsoft.com/office/powerpoint/2010/main" val="3815480020"/>
+      </p:ext>
+    </p:extLst>
+  </p:cSld>
+  <p:clrMapOvr>
+    <a:masterClrMapping/>
+  </p:clrMapOvr>
+</p:sld>
+</file>
+
+<file path=ppt/slides/slide3.xml><?xml version="1.0" encoding="utf-8"?>
+<p:sld xmlns:a="http://schemas.openxmlformats.org/drawingml/2006/main" xmlns:r="http://schemas.openxmlformats.org/officeDocument/2006/relationships" xmlns:p="http://schemas.openxmlformats.org/presentationml/2006/main">
+  <p:cSld>
+    <p:spTree>
+      <p:nvGrpSpPr>
+        <p:cNvPr id="1" name=""/>
+        <p:cNvGrpSpPr/>
+        <p:nvPr/>
+      </p:nvGrpSpPr>
+      <p:grpSpPr>
+        <a:xfrm>
+          <a:off x="0" y="0"/>
+          <a:ext cx="0" cy="0"/>
+          <a:chOff x="0" y="0"/>
+          <a:chExt cx="0" cy="0"/>
+        </a:xfrm>
+      </p:grpSpPr>
+      <p:sp>
+        <p:nvSpPr>
           <p:cNvPr id="5" name="TextBox 4">
             <a:extLst>
               <a:ext uri="{FF2B5EF4-FFF2-40B4-BE49-F238E27FC236}">
@@ -5821,7 +5943,7 @@
         <p:spPr>
           <a:xfrm>
             <a:off x="1000068" y="654069"/>
-            <a:ext cx="9544575" cy="2677656"/>
+            <a:ext cx="9544575" cy="2923877"/>
           </a:xfrm>
           <a:prstGeom prst="rect">
             <a:avLst/>
@@ -5834,112 +5956,151 @@
           </a:bodyPr>
           <a:lstStyle/>
           <a:p>
-            <a:pPr algn="l"/>
-            <a:r>
-              <a:rPr lang="ru-RU" sz="2400" b="1" i="0" dirty="0">
+            <a:pPr algn="ctr"/>
+            <a:r>
+              <a:rPr lang="ru-RU" sz="2000" i="0" dirty="0">
                 <a:solidFill>
                   <a:schemeClr val="tx1">
                     <a:lumMod val="85000"/>
                   </a:schemeClr>
                 </a:solidFill>
                 <a:effectLst/>
-                <a:latin typeface="Helvetica" panose="020B0604020202020204" pitchFamily="34" charset="0"/>
+                <a:latin typeface="+mj-lt"/>
               </a:rPr>
-              <a:t>Приложение представля</a:t>
-            </a:r>
-            <a:r>
-              <a:rPr lang="ru-RU" sz="2400" b="1" dirty="0">
-                <a:solidFill>
-                  <a:schemeClr val="tx1">
-                    <a:lumMod val="85000"/>
-                  </a:schemeClr>
-                </a:solidFill>
-                <a:latin typeface="Helvetica" panose="020B0604020202020204" pitchFamily="34" charset="0"/>
-              </a:rPr>
-              <a:t>ет</a:t>
-            </a:r>
-            <a:r>
-              <a:rPr lang="ru-RU" sz="2400" b="1" i="0" dirty="0">
-                <a:solidFill>
-                  <a:schemeClr val="tx1">
-                    <a:lumMod val="85000"/>
-                  </a:schemeClr>
-                </a:solidFill>
-                <a:effectLst/>
-                <a:latin typeface="Helvetica" panose="020B0604020202020204" pitchFamily="34" charset="0"/>
-              </a:rPr>
-              <a:t> собой аналог довольно популярной в 90х и 00х годах игры </a:t>
-            </a:r>
-            <a:r>
-              <a:rPr lang="en-US" sz="2400" b="1" i="0" dirty="0">
-                <a:solidFill>
-                  <a:schemeClr val="tx1">
-                    <a:lumMod val="85000"/>
-                  </a:schemeClr>
-                </a:solidFill>
-                <a:effectLst/>
-                <a:latin typeface="Helvetica" panose="020B0604020202020204" pitchFamily="34" charset="0"/>
-              </a:rPr>
-              <a:t>“</a:t>
-            </a:r>
-            <a:r>
-              <a:rPr lang="ru-RU" sz="2400" b="1" i="0" dirty="0">
-                <a:solidFill>
-                  <a:schemeClr val="tx1">
-                    <a:lumMod val="85000"/>
-                  </a:schemeClr>
-                </a:solidFill>
-                <a:effectLst/>
-                <a:latin typeface="Helvetica" panose="020B0604020202020204" pitchFamily="34" charset="0"/>
-              </a:rPr>
-              <a:t>Танчики</a:t>
-            </a:r>
-            <a:r>
-              <a:rPr lang="en-US" sz="2400" b="1" dirty="0">
-                <a:solidFill>
-                  <a:schemeClr val="tx1">
-                    <a:lumMod val="85000"/>
-                  </a:schemeClr>
-                </a:solidFill>
-                <a:latin typeface="Helvetica" panose="020B0604020202020204" pitchFamily="34" charset="0"/>
-              </a:rPr>
-              <a:t>”.</a:t>
-            </a:r>
-            <a:endParaRPr lang="ru-RU" sz="2400" b="1" dirty="0">
+              <a:t>Краткое описание</a:t>
+            </a:r>
+          </a:p>
+          <a:p>
+            <a:pPr algn="l"/>
+            <a:endParaRPr lang="en-US" sz="2000" i="0" dirty="0">
               <a:solidFill>
                 <a:schemeClr val="tx1">
                   <a:lumMod val="85000"/>
                 </a:schemeClr>
               </a:solidFill>
-              <a:latin typeface="Helvetica" panose="020B0604020202020204" pitchFamily="34" charset="0"/>
+              <a:effectLst/>
+              <a:latin typeface="+mj-lt"/>
             </a:endParaRPr>
           </a:p>
           <a:p>
-            <a:r>
-              <a:rPr lang="ru-RU" sz="2400" b="1" i="0" dirty="0">
+            <a:pPr algn="l"/>
+            <a:r>
+              <a:rPr lang="ru-RU" sz="2000" i="0" dirty="0">
                 <a:solidFill>
                   <a:schemeClr val="tx1">
                     <a:lumMod val="85000"/>
                   </a:schemeClr>
                 </a:solidFill>
                 <a:effectLst/>
-                <a:latin typeface="Helvetica" panose="020B0604020202020204" pitchFamily="34" charset="0"/>
+                <a:latin typeface="+mj-lt"/>
               </a:rPr>
-              <a:t>В игре реализовано 2 режима: одиночный режим и режим с двумя игроками.</a:t>
-            </a:r>
-          </a:p>
-          <a:p>
-            <a:r>
-              <a:rPr lang="ru-RU" sz="2400" b="1" i="0" dirty="0">
+              <a:t>Приложение представля</a:t>
+            </a:r>
+            <a:r>
+              <a:rPr lang="ru-RU" sz="2000" dirty="0">
                 <a:solidFill>
                   <a:schemeClr val="tx1">
                     <a:lumMod val="85000"/>
                   </a:schemeClr>
                 </a:solidFill>
+                <a:latin typeface="+mj-lt"/>
+              </a:rPr>
+              <a:t>ет</a:t>
+            </a:r>
+            <a:r>
+              <a:rPr lang="ru-RU" sz="2000" i="0" dirty="0">
+                <a:solidFill>
+                  <a:schemeClr val="tx1">
+                    <a:lumMod val="85000"/>
+                  </a:schemeClr>
+                </a:solidFill>
                 <a:effectLst/>
-                <a:latin typeface="Helvetica" panose="020B0604020202020204" pitchFamily="34" charset="0"/>
+                <a:latin typeface="+mj-lt"/>
               </a:rPr>
-              <a:t>Будет реализовано несколько различных карт и уровней для одиночного режима.</a:t>
+              <a:t> собой аналог довольно популярной в 90х и 00х годах игры </a:t>
+            </a:r>
+            <a:r>
+              <a:rPr lang="en-US" sz="2000" i="0" dirty="0">
+                <a:solidFill>
+                  <a:schemeClr val="tx1">
+                    <a:lumMod val="85000"/>
+                  </a:schemeClr>
+                </a:solidFill>
+                <a:effectLst/>
+                <a:latin typeface="+mj-lt"/>
+              </a:rPr>
+              <a:t>“</a:t>
+            </a:r>
+            <a:r>
+              <a:rPr lang="ru-RU" sz="2000" i="0" dirty="0">
+                <a:solidFill>
+                  <a:schemeClr val="tx1">
+                    <a:lumMod val="85000"/>
+                  </a:schemeClr>
+                </a:solidFill>
+                <a:effectLst/>
+                <a:latin typeface="+mj-lt"/>
+              </a:rPr>
+              <a:t>Танчики</a:t>
+            </a:r>
+            <a:r>
+              <a:rPr lang="en-US" sz="2000" dirty="0">
+                <a:solidFill>
+                  <a:schemeClr val="tx1">
+                    <a:lumMod val="85000"/>
+                  </a:schemeClr>
+                </a:solidFill>
+                <a:latin typeface="+mj-lt"/>
+              </a:rPr>
+              <a:t>”.</a:t>
+            </a:r>
+            <a:endParaRPr lang="ru-RU" sz="2000" dirty="0">
+              <a:solidFill>
+                <a:schemeClr val="tx1">
+                  <a:lumMod val="85000"/>
+                </a:schemeClr>
+              </a:solidFill>
+              <a:latin typeface="+mj-lt"/>
+            </a:endParaRPr>
+          </a:p>
+          <a:p>
+            <a:r>
+              <a:rPr lang="ru-RU" sz="2000" i="0" dirty="0">
+                <a:solidFill>
+                  <a:schemeClr val="tx1">
+                    <a:lumMod val="85000"/>
+                  </a:schemeClr>
+                </a:solidFill>
+                <a:effectLst/>
+                <a:latin typeface="+mj-lt"/>
+              </a:rPr>
+              <a:t>В игре реализован режим </a:t>
+            </a:r>
+            <a:r>
+              <a:rPr lang="en-US" sz="2000" i="0" dirty="0">
+                <a:solidFill>
+                  <a:schemeClr val="tx1">
+                    <a:lumMod val="85000"/>
+                  </a:schemeClr>
+                </a:solidFill>
+                <a:effectLst/>
+                <a:latin typeface="+mj-lt"/>
+              </a:rPr>
+              <a:t>PvP.</a:t>
+            </a:r>
+          </a:p>
+          <a:p>
+            <a:r>
+              <a:rPr lang="ru-RU" sz="2000" i="0" dirty="0">
+                <a:solidFill>
+                  <a:schemeClr val="tx1">
+                    <a:lumMod val="85000"/>
+                  </a:schemeClr>
+                </a:solidFill>
+                <a:effectLst/>
+                <a:latin typeface="+mj-lt"/>
+              </a:rPr>
+              <a:t>Реализовано движение танчика по игровому полю. Танчик может двигаться вверх, вниз, влево, вправо. Также у танчика реализована возможность стрелять и поражать противника.</a:t>
             </a:r>
           </a:p>
           <a:p>
@@ -5982,8 +6143,8 @@
         </p:blipFill>
         <p:spPr>
           <a:xfrm>
-            <a:off x="3383138" y="3429000"/>
-            <a:ext cx="4778436" cy="2687870"/>
+            <a:off x="3383137" y="3577946"/>
+            <a:ext cx="4778436" cy="2912276"/>
           </a:xfrm>
           <a:prstGeom prst="rect">
             <a:avLst/>
@@ -5994,80 +6155,6 @@
     <p:extLst>
       <p:ext uri="{BB962C8B-B14F-4D97-AF65-F5344CB8AC3E}">
         <p14:creationId xmlns:p14="http://schemas.microsoft.com/office/powerpoint/2010/main" val="109339610"/>
-      </p:ext>
-    </p:extLst>
-  </p:cSld>
-  <p:clrMapOvr>
-    <a:masterClrMapping/>
-  </p:clrMapOvr>
-</p:sld>
-</file>
-
-<file path=ppt/slides/slide3.xml><?xml version="1.0" encoding="utf-8"?>
-<p:sld xmlns:a="http://schemas.openxmlformats.org/drawingml/2006/main" xmlns:r="http://schemas.openxmlformats.org/officeDocument/2006/relationships" xmlns:p="http://schemas.openxmlformats.org/presentationml/2006/main">
-  <p:cSld>
-    <p:spTree>
-      <p:nvGrpSpPr>
-        <p:cNvPr id="1" name=""/>
-        <p:cNvGrpSpPr/>
-        <p:nvPr/>
-      </p:nvGrpSpPr>
-      <p:grpSpPr>
-        <a:xfrm>
-          <a:off x="0" y="0"/>
-          <a:ext cx="0" cy="0"/>
-          <a:chOff x="0" y="0"/>
-          <a:chExt cx="0" cy="0"/>
-        </a:xfrm>
-      </p:grpSpPr>
-      <p:sp>
-        <p:nvSpPr>
-          <p:cNvPr id="5" name="TextBox 4">
-            <a:extLst>
-              <a:ext uri="{FF2B5EF4-FFF2-40B4-BE49-F238E27FC236}">
-                <a16:creationId xmlns:a16="http://schemas.microsoft.com/office/drawing/2014/main" id="{C8089A9A-9844-20B1-203F-0802269F7987}"/>
-              </a:ext>
-            </a:extLst>
-          </p:cNvPr>
-          <p:cNvSpPr txBox="1"/>
-          <p:nvPr/>
-        </p:nvSpPr>
-        <p:spPr>
-          <a:xfrm>
-            <a:off x="685100" y="562062"/>
-            <a:ext cx="10821799" cy="2677656"/>
-          </a:xfrm>
-          <a:prstGeom prst="rect">
-            <a:avLst/>
-          </a:prstGeom>
-          <a:noFill/>
-        </p:spPr>
-        <p:txBody>
-          <a:bodyPr wrap="square">
-            <a:spAutoFit/>
-          </a:bodyPr>
-          <a:lstStyle/>
-          <a:p>
-            <a:pPr algn="l"/>
-            <a:r>
-              <a:rPr lang="ru-RU" sz="2400" b="1" i="0" dirty="0">
-                <a:solidFill>
-                  <a:schemeClr val="tx1">
-                    <a:lumMod val="85000"/>
-                  </a:schemeClr>
-                </a:solidFill>
-                <a:effectLst/>
-                <a:latin typeface="Helvetica" panose="020B0604020202020204" pitchFamily="34" charset="0"/>
-              </a:rPr>
-              <a:t>Вначале нужно будет пройти авторизацию или создать новый аккаунт. Далее будет примерно такое же меню, как на картинке выше. Пользователю будет представлен выбор между несколькими режимами игры. Первым основным режимом будет одиночная игра против ботов. Второй режим будет кооперативным, можно будет играть вдвоём на 1 клавиатуре(скорее всего в кооперативе будет несколько режимов).</a:t>
-            </a:r>
-          </a:p>
-        </p:txBody>
-      </p:sp>
-    </p:spTree>
-    <p:extLst>
-      <p:ext uri="{BB962C8B-B14F-4D97-AF65-F5344CB8AC3E}">
-        <p14:creationId xmlns:p14="http://schemas.microsoft.com/office/powerpoint/2010/main" val="2715195069"/>
       </p:ext>
     </p:extLst>
   </p:cSld>
@@ -6099,7 +6186,7 @@
           <p:cNvPr id="5" name="TextBox 4">
             <a:extLst>
               <a:ext uri="{FF2B5EF4-FFF2-40B4-BE49-F238E27FC236}">
-                <a16:creationId xmlns:a16="http://schemas.microsoft.com/office/drawing/2014/main" id="{F1D96319-690F-4A32-0F52-075BD8971663}"/>
+                <a16:creationId xmlns:a16="http://schemas.microsoft.com/office/drawing/2014/main" id="{C8089A9A-9844-20B1-203F-0802269F7987}"/>
               </a:ext>
             </a:extLst>
           </p:cNvPr>
@@ -6108,8 +6195,8 @@
         </p:nvSpPr>
         <p:spPr>
           <a:xfrm>
-            <a:off x="899020" y="755009"/>
-            <a:ext cx="10393959" cy="3416320"/>
+            <a:off x="685100" y="562062"/>
+            <a:ext cx="10821799" cy="3662541"/>
           </a:xfrm>
           <a:prstGeom prst="rect">
             <a:avLst/>
@@ -6122,26 +6209,87 @@
           </a:bodyPr>
           <a:lstStyle/>
           <a:p>
-            <a:pPr algn="l"/>
-            <a:r>
-              <a:rPr lang="ru-RU" sz="2400" b="1" i="0" dirty="0">
+            <a:pPr algn="ctr"/>
+            <a:r>
+              <a:rPr lang="ru-RU" sz="2400" i="0" dirty="0">
                 <a:solidFill>
                   <a:schemeClr val="tx1">
                     <a:lumMod val="85000"/>
                   </a:schemeClr>
                 </a:solidFill>
                 <a:effectLst/>
-                <a:latin typeface="Helvetica" panose="020B0604020202020204" pitchFamily="34" charset="0"/>
+                <a:latin typeface="+mj-lt"/>
               </a:rPr>
-              <a:t>Будет реализовано движение танчика по игровому полю. Танчик сможет двигаться вверх, вниз, влево, вправо. Также у танчика должна быть реализована возможность стрелять. Также нужно создать ботов, против которых будет играть пользователь. Нужно создать несколько различных карт для каждого режима игры(возможно, некоторые карты будут повторяться в разных режимах игры). Также нужно реализовать режим, где пользователь сможет сам создавать игровую карту и включать ее в основные игровые карты.</a:t>
-            </a:r>
+              <a:t>Планируется реализовать в будущем</a:t>
+            </a:r>
+          </a:p>
+          <a:p>
+            <a:pPr algn="l"/>
+            <a:endParaRPr lang="ru-RU" sz="2400" b="1" i="0" dirty="0">
+              <a:solidFill>
+                <a:schemeClr val="tx1">
+                  <a:lumMod val="85000"/>
+                </a:schemeClr>
+              </a:solidFill>
+              <a:effectLst/>
+              <a:latin typeface="Helvetica" panose="020B0604020202020204" pitchFamily="34" charset="0"/>
+            </a:endParaRPr>
+          </a:p>
+          <a:p>
+            <a:r>
+              <a:rPr lang="ru-RU" sz="2000" i="0" dirty="0">
+                <a:solidFill>
+                  <a:schemeClr val="tx1">
+                    <a:lumMod val="85000"/>
+                  </a:schemeClr>
+                </a:solidFill>
+                <a:effectLst/>
+                <a:latin typeface="+mj-lt"/>
+              </a:rPr>
+              <a:t>Пользователю будет представлен выбор между несколькими режимами игры. Первым основным режимом будет одиночная игра против ботов. Второй режим будет кооперативным, можно будет играть вдвоём на 1 клавиатуре(скорее всего в кооперативе будет несколько режимов). </a:t>
+            </a:r>
+            <a:r>
+              <a:rPr lang="ru-RU" sz="2000" dirty="0">
+                <a:solidFill>
+                  <a:schemeClr val="tx1">
+                    <a:lumMod val="85000"/>
+                  </a:schemeClr>
+                </a:solidFill>
+                <a:latin typeface="+mj-lt"/>
+              </a:rPr>
+              <a:t>Н</a:t>
+            </a:r>
+            <a:r>
+              <a:rPr lang="ru-RU" sz="2000" i="0" dirty="0">
+                <a:solidFill>
+                  <a:schemeClr val="tx1">
+                    <a:lumMod val="85000"/>
+                  </a:schemeClr>
+                </a:solidFill>
+                <a:effectLst/>
+                <a:latin typeface="+mj-lt"/>
+              </a:rPr>
+              <a:t>ужно создать ботов, против которых будет играть пользователь. Нужно создать несколько различных карт для каждого режима игры(возможно, некоторые карты будут повторяться в разных режимах игры). Также нужно реализовать режим, где пользователь сможет сам создавать игровую карту и включать ее в основные игровые карты.</a:t>
+            </a:r>
+          </a:p>
+          <a:p>
+            <a:pPr algn="l"/>
+            <a:endParaRPr lang="ru-RU" sz="2400" b="1" i="0" dirty="0">
+              <a:solidFill>
+                <a:schemeClr val="tx1">
+                  <a:lumMod val="85000"/>
+                </a:schemeClr>
+              </a:solidFill>
+              <a:effectLst/>
+              <a:latin typeface="Helvetica" panose="020B0604020202020204" pitchFamily="34" charset="0"/>
+            </a:endParaRPr>
           </a:p>
         </p:txBody>
       </p:sp>
     </p:spTree>
     <p:extLst>
       <p:ext uri="{BB962C8B-B14F-4D97-AF65-F5344CB8AC3E}">
-        <p14:creationId xmlns:p14="http://schemas.microsoft.com/office/powerpoint/2010/main" val="2730571103"/>
+        <p14:creationId xmlns:p14="http://schemas.microsoft.com/office/powerpoint/2010/main" val="2715195069"/>
       </p:ext>
     </p:extLst>
   </p:cSld>
@@ -6168,54 +6316,136 @@
           <a:chExt cx="0" cy="0"/>
         </a:xfrm>
       </p:grpSpPr>
-      <p:sp>
-        <p:nvSpPr>
-          <p:cNvPr id="3" name="TextBox 2">
+      <p:pic>
+        <p:nvPicPr>
+          <p:cNvPr id="3" name="Рисунок 2">
             <a:extLst>
               <a:ext uri="{FF2B5EF4-FFF2-40B4-BE49-F238E27FC236}">
-                <a16:creationId xmlns:a16="http://schemas.microsoft.com/office/drawing/2014/main" id="{BE2257C6-8465-EF13-1F52-C493DD46C096}"/>
+                <a16:creationId xmlns:a16="http://schemas.microsoft.com/office/drawing/2014/main" id="{7665FB2A-B1F9-D55D-1D8E-C78118E08BDB}"/>
               </a:ext>
             </a:extLst>
           </p:cNvPr>
-          <p:cNvSpPr txBox="1"/>
+          <p:cNvPicPr>
+            <a:picLocks noChangeAspect="1"/>
+          </p:cNvPicPr>
           <p:nvPr/>
-        </p:nvSpPr>
+        </p:nvPicPr>
+        <p:blipFill>
+          <a:blip r:embed="rId2"/>
+          <a:stretch>
+            <a:fillRect/>
+          </a:stretch>
+        </p:blipFill>
         <p:spPr>
           <a:xfrm>
-            <a:off x="892041" y="889233"/>
-            <a:ext cx="10709933" cy="954107"/>
+            <a:off x="327171" y="1158729"/>
+            <a:ext cx="5573934" cy="4378005"/>
           </a:xfrm>
           <a:prstGeom prst="rect">
             <a:avLst/>
           </a:prstGeom>
-          <a:noFill/>
         </p:spPr>
-        <p:txBody>
-          <a:bodyPr wrap="square">
-            <a:spAutoFit/>
-          </a:bodyPr>
-          <a:lstStyle/>
-          <a:p>
-            <a:pPr algn="l"/>
-            <a:r>
-              <a:rPr lang="ru-RU" sz="2800" b="1" i="0" dirty="0">
-                <a:solidFill>
-                  <a:schemeClr val="tx1">
-                    <a:lumMod val="85000"/>
-                  </a:schemeClr>
-                </a:solidFill>
-                <a:effectLst/>
-                <a:latin typeface="Helvetica" panose="020B0604020202020204" pitchFamily="34" charset="0"/>
-              </a:rPr>
-              <a:t>Программа будет написана на ЯП Python с помощью библиотеки Pygame.</a:t>
-            </a:r>
-          </a:p>
-        </p:txBody>
-      </p:sp>
+      </p:pic>
+      <p:pic>
+        <p:nvPicPr>
+          <p:cNvPr id="6" name="Рисунок 5">
+            <a:extLst>
+              <a:ext uri="{FF2B5EF4-FFF2-40B4-BE49-F238E27FC236}">
+                <a16:creationId xmlns:a16="http://schemas.microsoft.com/office/drawing/2014/main" id="{3E5E21AB-87B2-7DE3-6FDE-A192E71B4DB0}"/>
+              </a:ext>
+            </a:extLst>
+          </p:cNvPr>
+          <p:cNvPicPr>
+            <a:picLocks noChangeAspect="1"/>
+          </p:cNvPicPr>
+          <p:nvPr/>
+        </p:nvPicPr>
+        <p:blipFill>
+          <a:blip r:embed="rId3"/>
+          <a:stretch>
+            <a:fillRect/>
+          </a:stretch>
+        </p:blipFill>
+        <p:spPr>
+          <a:xfrm>
+            <a:off x="6208122" y="1158729"/>
+            <a:ext cx="5559370" cy="4378004"/>
+          </a:xfrm>
+          <a:prstGeom prst="rect">
+            <a:avLst/>
+          </a:prstGeom>
+        </p:spPr>
+      </p:pic>
     </p:spTree>
     <p:extLst>
       <p:ext uri="{BB962C8B-B14F-4D97-AF65-F5344CB8AC3E}">
-        <p14:creationId xmlns:p14="http://schemas.microsoft.com/office/powerpoint/2010/main" val="3932745375"/>
+        <p14:creationId xmlns:p14="http://schemas.microsoft.com/office/powerpoint/2010/main" val="2730571103"/>
+      </p:ext>
+    </p:extLst>
+  </p:cSld>
+  <p:clrMapOvr>
+    <a:masterClrMapping/>
+  </p:clrMapOvr>
+</p:sld>
+</file>
+
+<file path=ppt/slides/slide6.xml><?xml version="1.0" encoding="utf-8"?>
+<p:sld xmlns:a="http://schemas.openxmlformats.org/drawingml/2006/main" xmlns:r="http://schemas.openxmlformats.org/officeDocument/2006/relationships" xmlns:p="http://schemas.openxmlformats.org/presentationml/2006/main">
+  <p:cSld>
+    <p:spTree>
+      <p:nvGrpSpPr>
+        <p:cNvPr id="1" name=""/>
+        <p:cNvGrpSpPr/>
+        <p:nvPr/>
+      </p:nvGrpSpPr>
+      <p:grpSpPr>
+        <a:xfrm>
+          <a:off x="0" y="0"/>
+          <a:ext cx="0" cy="0"/>
+          <a:chOff x="0" y="0"/>
+          <a:chExt cx="0" cy="0"/>
+        </a:xfrm>
+      </p:grpSpPr>
+      <p:sp>
+        <p:nvSpPr>
+          <p:cNvPr id="4" name="Заголовок 3">
+            <a:extLst>
+              <a:ext uri="{FF2B5EF4-FFF2-40B4-BE49-F238E27FC236}">
+                <a16:creationId xmlns:a16="http://schemas.microsoft.com/office/drawing/2014/main" id="{3A97EE7C-9F26-F522-1DF4-AED4918060BB}"/>
+              </a:ext>
+            </a:extLst>
+          </p:cNvPr>
+          <p:cNvSpPr>
+            <a:spLocks noGrp="1"/>
+          </p:cNvSpPr>
+          <p:nvPr>
+            <p:ph type="title"/>
+          </p:nvPr>
+        </p:nvSpPr>
+        <p:spPr>
+          <a:xfrm>
+            <a:off x="1143001" y="1649835"/>
+            <a:ext cx="9905998" cy="1905000"/>
+          </a:xfrm>
+        </p:spPr>
+        <p:txBody>
+          <a:bodyPr>
+            <a:normAutofit/>
+          </a:bodyPr>
+          <a:lstStyle/>
+          <a:p>
+            <a:pPr algn="ctr"/>
+            <a:r>
+              <a:rPr lang="ru-RU" sz="4800" dirty="0"/>
+              <a:t>Демонстрация</a:t>
+            </a:r>
+          </a:p>
+        </p:txBody>
+      </p:sp>
+    </p:spTree>
+    <p:extLst>
+      <p:ext uri="{BB962C8B-B14F-4D97-AF65-F5344CB8AC3E}">
+        <p14:creationId xmlns:p14="http://schemas.microsoft.com/office/powerpoint/2010/main" val="1502277929"/>
       </p:ext>
     </p:extLst>
   </p:cSld>
